--- a/Docker.pptx
+++ b/Docker.pptx
@@ -14,9 +14,10 @@
     <p:sldId id="264" r:id="rId8"/>
     <p:sldId id="267" r:id="rId9"/>
     <p:sldId id="269" r:id="rId10"/>
-    <p:sldId id="270" r:id="rId11"/>
-    <p:sldId id="271" r:id="rId12"/>
-    <p:sldId id="259" r:id="rId13"/>
+    <p:sldId id="272" r:id="rId11"/>
+    <p:sldId id="270" r:id="rId12"/>
+    <p:sldId id="271" r:id="rId13"/>
+    <p:sldId id="259" r:id="rId14"/>
   </p:sldIdLst>
   <p:sldSz cx="12192000" cy="6858000"/>
   <p:notesSz cx="6858000" cy="9144000"/>
@@ -115,6 +116,11 @@
       </a:defRPr>
     </a:lvl9pPr>
   </p:defaultTextStyle>
+  <p:extLst>
+    <p:ext uri="{EFAFB233-063F-42B5-8137-9DF3F51BA10A}">
+      <p15:sldGuideLst xmlns:p15="http://schemas.microsoft.com/office/powerpoint/2012/main"/>
+    </p:ext>
+  </p:extLst>
 </p:presentation>
 </file>
 
@@ -343,7 +349,7 @@
             <a:fld id="{B61BEF0D-F0BB-DE4B-95CE-6DB70DBA9567}" type="datetimeFigureOut">
               <a:rPr lang="en-US" smtClean="0"/>
               <a:pPr/>
-              <a:t>1/29/2017</a:t>
+              <a:t>1/30/2017</a:t>
             </a:fld>
             <a:endParaRPr lang="en-US" dirty="0"/>
           </a:p>
@@ -515,7 +521,7 @@
             <a:fld id="{B61BEF0D-F0BB-DE4B-95CE-6DB70DBA9567}" type="datetimeFigureOut">
               <a:rPr lang="en-US" smtClean="0"/>
               <a:pPr/>
-              <a:t>1/29/2017</a:t>
+              <a:t>1/30/2017</a:t>
             </a:fld>
             <a:endParaRPr lang="en-US" dirty="0"/>
           </a:p>
@@ -697,7 +703,7 @@
             <a:fld id="{B61BEF0D-F0BB-DE4B-95CE-6DB70DBA9567}" type="datetimeFigureOut">
               <a:rPr lang="en-US" smtClean="0"/>
               <a:pPr/>
-              <a:t>1/29/2017</a:t>
+              <a:t>1/30/2017</a:t>
             </a:fld>
             <a:endParaRPr lang="en-US" dirty="0"/>
           </a:p>
@@ -869,7 +875,7 @@
             <a:fld id="{B61BEF0D-F0BB-DE4B-95CE-6DB70DBA9567}" type="datetimeFigureOut">
               <a:rPr lang="en-US" smtClean="0"/>
               <a:pPr/>
-              <a:t>1/29/2017</a:t>
+              <a:t>1/30/2017</a:t>
             </a:fld>
             <a:endParaRPr lang="en-US" dirty="0"/>
           </a:p>
@@ -1129,7 +1135,7 @@
             <a:fld id="{B61BEF0D-F0BB-DE4B-95CE-6DB70DBA9567}" type="datetimeFigureOut">
               <a:rPr lang="en-US" smtClean="0"/>
               <a:pPr/>
-              <a:t>1/29/2017</a:t>
+              <a:t>1/30/2017</a:t>
             </a:fld>
             <a:endParaRPr lang="en-US" dirty="0"/>
           </a:p>
@@ -1419,7 +1425,7 @@
             <a:fld id="{B61BEF0D-F0BB-DE4B-95CE-6DB70DBA9567}" type="datetimeFigureOut">
               <a:rPr lang="en-US" smtClean="0"/>
               <a:pPr/>
-              <a:t>1/29/2017</a:t>
+              <a:t>1/30/2017</a:t>
             </a:fld>
             <a:endParaRPr lang="en-US" dirty="0"/>
           </a:p>
@@ -1863,7 +1869,7 @@
             <a:fld id="{B61BEF0D-F0BB-DE4B-95CE-6DB70DBA9567}" type="datetimeFigureOut">
               <a:rPr lang="en-US" smtClean="0"/>
               <a:pPr/>
-              <a:t>1/29/2017</a:t>
+              <a:t>1/30/2017</a:t>
             </a:fld>
             <a:endParaRPr lang="en-US" dirty="0"/>
           </a:p>
@@ -1983,7 +1989,7 @@
             <a:fld id="{B61BEF0D-F0BB-DE4B-95CE-6DB70DBA9567}" type="datetimeFigureOut">
               <a:rPr lang="en-US" smtClean="0"/>
               <a:pPr/>
-              <a:t>1/29/2017</a:t>
+              <a:t>1/30/2017</a:t>
             </a:fld>
             <a:endParaRPr lang="en-US" dirty="0"/>
           </a:p>
@@ -2080,7 +2086,7 @@
             <a:fld id="{B61BEF0D-F0BB-DE4B-95CE-6DB70DBA9567}" type="datetimeFigureOut">
               <a:rPr lang="en-US" smtClean="0"/>
               <a:pPr/>
-              <a:t>1/29/2017</a:t>
+              <a:t>1/30/2017</a:t>
             </a:fld>
             <a:endParaRPr lang="en-US" dirty="0"/>
           </a:p>
@@ -2370,7 +2376,7 @@
             <a:fld id="{B61BEF0D-F0BB-DE4B-95CE-6DB70DBA9567}" type="datetimeFigureOut">
               <a:rPr lang="en-US" smtClean="0"/>
               <a:pPr/>
-              <a:t>1/29/2017</a:t>
+              <a:t>1/30/2017</a:t>
             </a:fld>
             <a:endParaRPr lang="en-US" dirty="0"/>
           </a:p>
@@ -2645,7 +2651,7 @@
             <a:fld id="{B61BEF0D-F0BB-DE4B-95CE-6DB70DBA9567}" type="datetimeFigureOut">
               <a:rPr lang="en-US" smtClean="0"/>
               <a:pPr/>
-              <a:t>1/29/2017</a:t>
+              <a:t>1/30/2017</a:t>
             </a:fld>
             <a:endParaRPr lang="en-US" dirty="0"/>
           </a:p>
@@ -2944,7 +2950,7 @@
             <a:fld id="{B61BEF0D-F0BB-DE4B-95CE-6DB70DBA9567}" type="datetimeFigureOut">
               <a:rPr lang="en-US" smtClean="0"/>
               <a:pPr/>
-              <a:t>1/29/2017</a:t>
+              <a:t>1/30/2017</a:t>
             </a:fld>
             <a:endParaRPr lang="en-US" dirty="0"/>
           </a:p>
@@ -3653,23 +3659,29 @@
         </p:nvSpPr>
         <p:spPr>
           <a:xfrm>
-            <a:off x="334617" y="1001797"/>
-            <a:ext cx="2586383" cy="1867298"/>
+            <a:off x="106017" y="544597"/>
+            <a:ext cx="3167269" cy="1867298"/>
           </a:xfrm>
         </p:spPr>
         <p:txBody>
           <a:bodyPr>
-            <a:normAutofit fontScale="90000"/>
+            <a:normAutofit/>
           </a:bodyPr>
           <a:lstStyle/>
           <a:p>
-            <a:pPr fontAlgn="base"/>
             <a:r>
               <a:rPr lang="en-US" sz="4000" b="1" dirty="0">
                 <a:latin typeface="Calibri" panose="020F0502020204030204" pitchFamily="34" charset="0"/>
                 <a:cs typeface="Calibri" panose="020F0502020204030204" pitchFamily="34" charset="0"/>
               </a:rPr>
-              <a:t>ANACONDA     AND DOCKER TOGETHER</a:t>
+              <a:t>     </a:t>
+            </a:r>
+            <a:r>
+              <a:rPr lang="en-US" sz="3200" b="1" dirty="0">
+                <a:latin typeface="Calibri" panose="020F0502020204030204" pitchFamily="34" charset="0"/>
+                <a:cs typeface="Calibri" panose="020F0502020204030204" pitchFamily="34" charset="0"/>
+              </a:rPr>
+              <a:t>DOCKERFILE</a:t>
             </a:r>
           </a:p>
         </p:txBody>
@@ -3686,8 +3698,8 @@
         </p:nvSpPr>
         <p:spPr>
           <a:xfrm>
-            <a:off x="3822700" y="1687995"/>
-            <a:ext cx="7315200" cy="4660900"/>
+            <a:off x="3825094" y="800652"/>
+            <a:ext cx="7315200" cy="2194339"/>
           </a:xfrm>
         </p:spPr>
         <p:txBody>
@@ -3704,116 +3716,35 @@
                 <a:latin typeface="Calibri" panose="020F0502020204030204" pitchFamily="34" charset="0"/>
                 <a:cs typeface="Calibri" panose="020F0502020204030204" pitchFamily="34" charset="0"/>
               </a:rPr>
-              <a:t>Whether you’re a developer, data scientist, or </a:t>
+              <a:t>Docker can build images automatically by reading the instruction from a </a:t>
             </a:r>
             <a:r>
               <a:rPr lang="en-US" dirty="0" err="1">
                 <a:latin typeface="Calibri" panose="020F0502020204030204" pitchFamily="34" charset="0"/>
                 <a:cs typeface="Calibri" panose="020F0502020204030204" pitchFamily="34" charset="0"/>
               </a:rPr>
-              <a:t>devops</a:t>
+              <a:t>Dockerfile</a:t>
             </a:r>
             <a:r>
               <a:rPr lang="en-US" dirty="0">
                 <a:latin typeface="Calibri" panose="020F0502020204030204" pitchFamily="34" charset="0"/>
                 <a:cs typeface="Calibri" panose="020F0502020204030204" pitchFamily="34" charset="0"/>
               </a:rPr>
-              <a:t> engineer, Anaconda and Docker can provide your entire data science team with a scalable, deployable and reproducible Open Data Science platform</a:t>
-            </a:r>
-          </a:p>
-          <a:p>
-            <a:pPr marL="0" indent="0" fontAlgn="base">
-              <a:buNone/>
-            </a:pPr>
+              <a:t>. </a:t>
+            </a:r>
+            <a:r>
+              <a:rPr lang="en-US" dirty="0" err="1">
+                <a:latin typeface="Calibri" panose="020F0502020204030204" pitchFamily="34" charset="0"/>
+                <a:cs typeface="Calibri" panose="020F0502020204030204" pitchFamily="34" charset="0"/>
+              </a:rPr>
+              <a:t>Dockerfile</a:t>
+            </a:r>
             <a:r>
               <a:rPr lang="en-US" dirty="0">
                 <a:latin typeface="Calibri" panose="020F0502020204030204" pitchFamily="34" charset="0"/>
                 <a:cs typeface="Calibri" panose="020F0502020204030204" pitchFamily="34" charset="0"/>
               </a:rPr>
-              <a:t>Steps for using Anaconda with Docker:</a:t>
-            </a:r>
-          </a:p>
-          <a:p>
-            <a:pPr marL="457200" indent="-457200" fontAlgn="base">
-              <a:buFont typeface="+mj-lt"/>
-              <a:buAutoNum type="arabicPeriod"/>
-            </a:pPr>
-            <a:r>
-              <a:rPr lang="en-US" dirty="0">
-                <a:latin typeface="Calibri" panose="020F0502020204030204" pitchFamily="34" charset="0"/>
-                <a:cs typeface="Calibri" panose="020F0502020204030204" pitchFamily="34" charset="0"/>
-              </a:rPr>
-              <a:t>Download an Anaconda image from one  of the following resources:</a:t>
-            </a:r>
-          </a:p>
-          <a:p>
-            <a:pPr lvl="1" fontAlgn="base"/>
-            <a:r>
-              <a:rPr lang="en-US" b="1" u="sng" dirty="0">
-                <a:hlinkClick r:id="rId2"/>
-              </a:rPr>
-              <a:t>https://hub.docker.com/r/continuumio/anaconda3/</a:t>
-            </a:r>
-            <a:r>
-              <a:rPr lang="en-US" b="1" dirty="0"/>
-              <a:t> </a:t>
-            </a:r>
-          </a:p>
-          <a:p>
-            <a:pPr lvl="1"/>
-            <a:r>
-              <a:rPr lang="en-US" b="1" u="sng" dirty="0">
-                <a:hlinkClick r:id="rId3"/>
-              </a:rPr>
-              <a:t>https://www.dataquest.io/blog/docker-data-science/</a:t>
-            </a:r>
-            <a:r>
-              <a:rPr lang="en-US" b="1" dirty="0"/>
-              <a:t> </a:t>
-            </a:r>
-            <a:endParaRPr lang="en-US" dirty="0">
-              <a:latin typeface="Calibri" panose="020F0502020204030204" pitchFamily="34" charset="0"/>
-              <a:cs typeface="Calibri" panose="020F0502020204030204" pitchFamily="34" charset="0"/>
-            </a:endParaRPr>
-          </a:p>
-          <a:p>
-            <a:pPr marL="457200" indent="-457200">
-              <a:buFont typeface="+mj-lt"/>
-              <a:buAutoNum type="arabicPeriod"/>
-            </a:pPr>
-            <a:r>
-              <a:rPr lang="en-US" dirty="0">
-                <a:latin typeface="Calibri" panose="020F0502020204030204" pitchFamily="34" charset="0"/>
-                <a:cs typeface="Calibri" panose="020F0502020204030204" pitchFamily="34" charset="0"/>
-              </a:rPr>
-              <a:t>Pull and Run the image</a:t>
-            </a:r>
-          </a:p>
-          <a:p>
-            <a:pPr marL="457200" indent="-457200">
-              <a:buFont typeface="+mj-lt"/>
-              <a:buAutoNum type="arabicPeriod"/>
-            </a:pPr>
-            <a:r>
-              <a:rPr lang="en-US" dirty="0">
-                <a:latin typeface="Calibri" panose="020F0502020204030204" pitchFamily="34" charset="0"/>
-                <a:cs typeface="Calibri" panose="020F0502020204030204" pitchFamily="34" charset="0"/>
-              </a:rPr>
-              <a:t>Start a </a:t>
-            </a:r>
-            <a:r>
-              <a:rPr lang="en-US" dirty="0" err="1">
-                <a:latin typeface="Calibri" panose="020F0502020204030204" pitchFamily="34" charset="0"/>
-                <a:cs typeface="Calibri" panose="020F0502020204030204" pitchFamily="34" charset="0"/>
-              </a:rPr>
-              <a:t>Jupyter</a:t>
-            </a:r>
-            <a:r>
-              <a:rPr lang="en-US" dirty="0">
-                <a:latin typeface="Calibri" panose="020F0502020204030204" pitchFamily="34" charset="0"/>
-                <a:cs typeface="Calibri" panose="020F0502020204030204" pitchFamily="34" charset="0"/>
-              </a:rPr>
-              <a:t> Notebook server (optional)  and interact with Anaconda via your browser</a:t>
+              <a:t> is a text document that contains all the commands a user could call on the command line to assemble an image.</a:t>
             </a:r>
           </a:p>
           <a:p>
@@ -3829,26 +3760,72 @@
             <a:pPr marL="0" indent="0" fontAlgn="base">
               <a:buNone/>
             </a:pPr>
-            <a:endParaRPr lang="en-US" dirty="0">
-              <a:latin typeface="Calibri" panose="020F0502020204030204" pitchFamily="34" charset="0"/>
-              <a:cs typeface="Calibri" panose="020F0502020204030204" pitchFamily="34" charset="0"/>
-            </a:endParaRPr>
-          </a:p>
-          <a:p>
-            <a:pPr marL="0" indent="0" fontAlgn="base">
-              <a:buNone/>
-            </a:pPr>
-            <a:endParaRPr lang="en-US" dirty="0">
-              <a:latin typeface="Calibri" panose="020F0502020204030204" pitchFamily="34" charset="0"/>
-              <a:cs typeface="Calibri" panose="020F0502020204030204" pitchFamily="34" charset="0"/>
-            </a:endParaRPr>
-          </a:p>
-        </p:txBody>
-      </p:sp>
+            <a:r>
+              <a:rPr lang="en-US" dirty="0">
+                <a:latin typeface="Calibri" panose="020F0502020204030204" pitchFamily="34" charset="0"/>
+                <a:cs typeface="Calibri" panose="020F0502020204030204" pitchFamily="34" charset="0"/>
+              </a:rPr>
+              <a:t>Sample example of </a:t>
+            </a:r>
+            <a:r>
+              <a:rPr lang="en-US" dirty="0" err="1">
+                <a:latin typeface="Calibri" panose="020F0502020204030204" pitchFamily="34" charset="0"/>
+                <a:cs typeface="Calibri" panose="020F0502020204030204" pitchFamily="34" charset="0"/>
+              </a:rPr>
+              <a:t>Dockerfile</a:t>
+            </a:r>
+            <a:r>
+              <a:rPr lang="en-US" dirty="0">
+                <a:latin typeface="Calibri" panose="020F0502020204030204" pitchFamily="34" charset="0"/>
+                <a:cs typeface="Calibri" panose="020F0502020204030204" pitchFamily="34" charset="0"/>
+              </a:rPr>
+              <a:t> to build </a:t>
+            </a:r>
+            <a:r>
+              <a:rPr lang="en-US" dirty="0" err="1">
+                <a:latin typeface="Calibri" panose="020F0502020204030204" pitchFamily="34" charset="0"/>
+                <a:cs typeface="Calibri" panose="020F0502020204030204" pitchFamily="34" charset="0"/>
+              </a:rPr>
+              <a:t>mysql</a:t>
+            </a:r>
+            <a:r>
+              <a:rPr lang="en-US" dirty="0">
+                <a:latin typeface="Calibri" panose="020F0502020204030204" pitchFamily="34" charset="0"/>
+                <a:cs typeface="Calibri" panose="020F0502020204030204" pitchFamily="34" charset="0"/>
+              </a:rPr>
+              <a:t> server</a:t>
+            </a:r>
+          </a:p>
+        </p:txBody>
+      </p:sp>
+      <p:pic>
+        <p:nvPicPr>
+          <p:cNvPr id="5" name="Picture 4"/>
+          <p:cNvPicPr>
+            <a:picLocks noChangeAspect="1"/>
+          </p:cNvPicPr>
+          <p:nvPr/>
+        </p:nvPicPr>
+        <p:blipFill>
+          <a:blip r:embed="rId2"/>
+          <a:stretch>
+            <a:fillRect/>
+          </a:stretch>
+        </p:blipFill>
+        <p:spPr>
+          <a:xfrm>
+            <a:off x="3825094" y="3234980"/>
+            <a:ext cx="7553325" cy="2428875"/>
+          </a:xfrm>
+          <a:prstGeom prst="rect">
+            <a:avLst/>
+          </a:prstGeom>
+        </p:spPr>
+      </p:pic>
     </p:spTree>
     <p:extLst>
       <p:ext uri="{BB962C8B-B14F-4D97-AF65-F5344CB8AC3E}">
-        <p14:creationId xmlns:p14="http://schemas.microsoft.com/office/powerpoint/2010/main" val="3850314652"/>
+        <p14:creationId xmlns:p14="http://schemas.microsoft.com/office/powerpoint/2010/main" val="2189307233"/>
       </p:ext>
     </p:extLst>
   </p:cSld>
@@ -3893,7 +3870,7 @@
         </p:spPr>
         <p:txBody>
           <a:bodyPr>
-            <a:normAutofit/>
+            <a:normAutofit fontScale="90000"/>
           </a:bodyPr>
           <a:lstStyle/>
           <a:p>
@@ -3903,7 +3880,7 @@
                 <a:latin typeface="Calibri" panose="020F0502020204030204" pitchFamily="34" charset="0"/>
                 <a:cs typeface="Calibri" panose="020F0502020204030204" pitchFamily="34" charset="0"/>
               </a:rPr>
-              <a:t>DOCKER WITH AWS</a:t>
+              <a:t>ANACONDA     AND DOCKER TOGETHER</a:t>
             </a:r>
           </a:p>
         </p:txBody>
@@ -3920,8 +3897,8 @@
         </p:nvSpPr>
         <p:spPr>
           <a:xfrm>
-            <a:off x="3708400" y="786294"/>
-            <a:ext cx="7315200" cy="5309705"/>
+            <a:off x="3822700" y="1687995"/>
+            <a:ext cx="7315200" cy="4660900"/>
           </a:xfrm>
         </p:spPr>
         <p:txBody>
@@ -3938,21 +3915,21 @@
                 <a:latin typeface="Calibri" panose="020F0502020204030204" pitchFamily="34" charset="0"/>
                 <a:cs typeface="Calibri" panose="020F0502020204030204" pitchFamily="34" charset="0"/>
               </a:rPr>
-              <a:t>Docker is available on different operating systems like Linux, Ubuntu, Mac OSX and Windows. Using Amazon EC2 install, we can install </a:t>
+              <a:t>Whether you’re a developer, data scientist, or </a:t>
             </a:r>
             <a:r>
               <a:rPr lang="en-US" dirty="0" err="1">
                 <a:latin typeface="Calibri" panose="020F0502020204030204" pitchFamily="34" charset="0"/>
                 <a:cs typeface="Calibri" panose="020F0502020204030204" pitchFamily="34" charset="0"/>
               </a:rPr>
-              <a:t>docker</a:t>
+              <a:t>devops</a:t>
             </a:r>
             <a:r>
               <a:rPr lang="en-US" dirty="0">
                 <a:latin typeface="Calibri" panose="020F0502020204030204" pitchFamily="34" charset="0"/>
                 <a:cs typeface="Calibri" panose="020F0502020204030204" pitchFamily="34" charset="0"/>
               </a:rPr>
-              <a:t> and get started with it.</a:t>
+              <a:t> engineer, Anaconda and Docker can provide your entire data science team with a scalable, deployable and reproducible Open Data Science platform</a:t>
             </a:r>
           </a:p>
           <a:p>
@@ -3964,44 +3941,46 @@
                 <a:latin typeface="Calibri" panose="020F0502020204030204" pitchFamily="34" charset="0"/>
                 <a:cs typeface="Calibri" panose="020F0502020204030204" pitchFamily="34" charset="0"/>
               </a:rPr>
-              <a:t>Steps for using Docker in AWS:</a:t>
-            </a:r>
-          </a:p>
-          <a:p>
-            <a:pPr fontAlgn="base"/>
+              <a:t>Steps for using Anaconda with Docker:</a:t>
+            </a:r>
+          </a:p>
+          <a:p>
+            <a:pPr marL="457200" indent="-457200" fontAlgn="base">
+              <a:buFont typeface="+mj-lt"/>
+              <a:buAutoNum type="arabicPeriod"/>
+            </a:pPr>
             <a:r>
               <a:rPr lang="en-US" dirty="0">
                 <a:latin typeface="Calibri" panose="020F0502020204030204" pitchFamily="34" charset="0"/>
                 <a:cs typeface="Calibri" panose="020F0502020204030204" pitchFamily="34" charset="0"/>
               </a:rPr>
-              <a:t>Launch an EC2 instance with Amazon Linux AMI</a:t>
-            </a:r>
-          </a:p>
-          <a:p>
-            <a:pPr fontAlgn="base"/>
-            <a:r>
-              <a:rPr lang="en-US" dirty="0">
-                <a:latin typeface="Calibri" panose="020F0502020204030204" pitchFamily="34" charset="0"/>
-                <a:cs typeface="Calibri" panose="020F0502020204030204" pitchFamily="34" charset="0"/>
-              </a:rPr>
-              <a:t>Connect to your instance</a:t>
-            </a:r>
-          </a:p>
-          <a:p>
-            <a:pPr fontAlgn="base"/>
-            <a:r>
-              <a:rPr lang="en-US" dirty="0">
-                <a:latin typeface="Calibri" panose="020F0502020204030204" pitchFamily="34" charset="0"/>
-                <a:cs typeface="Calibri" panose="020F0502020204030204" pitchFamily="34" charset="0"/>
-              </a:rPr>
-              <a:t>Install </a:t>
-            </a:r>
-            <a:r>
-              <a:rPr lang="en-US" dirty="0" err="1">
-                <a:latin typeface="Calibri" panose="020F0502020204030204" pitchFamily="34" charset="0"/>
-                <a:cs typeface="Calibri" panose="020F0502020204030204" pitchFamily="34" charset="0"/>
-              </a:rPr>
-              <a:t>docker</a:t>
+              <a:t>Download an Anaconda image from one  of the following resources:</a:t>
+            </a:r>
+          </a:p>
+          <a:p>
+            <a:pPr lvl="1" fontAlgn="base"/>
+            <a:r>
+              <a:rPr lang="en-US" b="1" u="sng" dirty="0">
+                <a:hlinkClick r:id="rId2"/>
+              </a:rPr>
+              <a:t>https://hub.docker.com/r/continuumio/anaconda3/</a:t>
+            </a:r>
+            <a:r>
+              <a:rPr lang="en-US" b="1" dirty="0"/>
+              <a:t> </a:t>
+            </a:r>
+          </a:p>
+          <a:p>
+            <a:pPr lvl="1"/>
+            <a:r>
+              <a:rPr lang="en-US" b="1" u="sng" dirty="0">
+                <a:hlinkClick r:id="rId3"/>
+              </a:rPr>
+              <a:t>https://www.dataquest.io/blog/docker-data-science/</a:t>
+            </a:r>
+            <a:r>
+              <a:rPr lang="en-US" b="1" dirty="0"/>
+              <a:t> </a:t>
             </a:r>
             <a:endParaRPr lang="en-US" dirty="0">
               <a:latin typeface="Calibri" panose="020F0502020204030204" pitchFamily="34" charset="0"/>
@@ -4009,27 +3988,43 @@
             </a:endParaRPr>
           </a:p>
           <a:p>
-            <a:pPr fontAlgn="base"/>
+            <a:pPr marL="457200" indent="-457200">
+              <a:buFont typeface="+mj-lt"/>
+              <a:buAutoNum type="arabicPeriod"/>
+            </a:pPr>
             <a:r>
               <a:rPr lang="en-US" dirty="0">
                 <a:latin typeface="Calibri" panose="020F0502020204030204" pitchFamily="34" charset="0"/>
                 <a:cs typeface="Calibri" panose="020F0502020204030204" pitchFamily="34" charset="0"/>
               </a:rPr>
-              <a:t>Run </a:t>
+              <a:t>Pull and Run the image</a:t>
+            </a:r>
+          </a:p>
+          <a:p>
+            <a:pPr marL="457200" indent="-457200">
+              <a:buFont typeface="+mj-lt"/>
+              <a:buAutoNum type="arabicPeriod"/>
+            </a:pPr>
+            <a:r>
+              <a:rPr lang="en-US" dirty="0">
+                <a:latin typeface="Calibri" panose="020F0502020204030204" pitchFamily="34" charset="0"/>
+                <a:cs typeface="Calibri" panose="020F0502020204030204" pitchFamily="34" charset="0"/>
+              </a:rPr>
+              <a:t>Start a </a:t>
             </a:r>
             <a:r>
               <a:rPr lang="en-US" dirty="0" err="1">
                 <a:latin typeface="Calibri" panose="020F0502020204030204" pitchFamily="34" charset="0"/>
                 <a:cs typeface="Calibri" panose="020F0502020204030204" pitchFamily="34" charset="0"/>
               </a:rPr>
-              <a:t>docker</a:t>
+              <a:t>Jupyter</a:t>
             </a:r>
             <a:r>
               <a:rPr lang="en-US" dirty="0">
                 <a:latin typeface="Calibri" panose="020F0502020204030204" pitchFamily="34" charset="0"/>
                 <a:cs typeface="Calibri" panose="020F0502020204030204" pitchFamily="34" charset="0"/>
               </a:rPr>
-              <a:t> commands in the AWS instance</a:t>
+              <a:t> Notebook server (optional)  and interact with Anaconda via your browser</a:t>
             </a:r>
           </a:p>
           <a:p>
@@ -4050,12 +4045,21 @@
               <a:cs typeface="Calibri" panose="020F0502020204030204" pitchFamily="34" charset="0"/>
             </a:endParaRPr>
           </a:p>
+          <a:p>
+            <a:pPr marL="0" indent="0" fontAlgn="base">
+              <a:buNone/>
+            </a:pPr>
+            <a:endParaRPr lang="en-US" dirty="0">
+              <a:latin typeface="Calibri" panose="020F0502020204030204" pitchFamily="34" charset="0"/>
+              <a:cs typeface="Calibri" panose="020F0502020204030204" pitchFamily="34" charset="0"/>
+            </a:endParaRPr>
+          </a:p>
         </p:txBody>
       </p:sp>
     </p:spTree>
     <p:extLst>
       <p:ext uri="{BB962C8B-B14F-4D97-AF65-F5344CB8AC3E}">
-        <p14:creationId xmlns:p14="http://schemas.microsoft.com/office/powerpoint/2010/main" val="3442457895"/>
+        <p14:creationId xmlns:p14="http://schemas.microsoft.com/office/powerpoint/2010/main" val="3850314652"/>
       </p:ext>
     </p:extLst>
   </p:cSld>
@@ -4092,35 +4096,247 @@
             <p:ph type="title"/>
           </p:nvPr>
         </p:nvSpPr>
-        <p:spPr/>
-        <p:txBody>
-          <a:bodyPr/>
-          <a:lstStyle/>
-          <a:p>
-            <a:r>
-              <a:rPr lang="en-US" dirty="0"/>
-              <a:t>REFERENCES</a:t>
-            </a:r>
-          </a:p>
-        </p:txBody>
-      </p:sp>
-      <p:sp>
-        <p:nvSpPr>
-          <p:cNvPr id="3" name="Content Placeholder 2"/>
-          <p:cNvSpPr>
-            <a:spLocks noGrp="1"/>
-          </p:cNvSpPr>
-          <p:nvPr>
-            <p:ph idx="1"/>
-          </p:nvPr>
-        </p:nvSpPr>
-        <p:spPr/>
+        <p:spPr>
+          <a:xfrm>
+            <a:off x="334617" y="1001797"/>
+            <a:ext cx="2586383" cy="1867298"/>
+          </a:xfrm>
+        </p:spPr>
         <p:txBody>
           <a:bodyPr>
             <a:normAutofit/>
           </a:bodyPr>
           <a:lstStyle/>
           <a:p>
+            <a:pPr fontAlgn="base"/>
+            <a:r>
+              <a:rPr lang="en-US" sz="4000" b="1" dirty="0">
+                <a:latin typeface="Calibri" panose="020F0502020204030204" pitchFamily="34" charset="0"/>
+                <a:cs typeface="Calibri" panose="020F0502020204030204" pitchFamily="34" charset="0"/>
+              </a:rPr>
+              <a:t>DOCKER WITH AWS</a:t>
+            </a:r>
+          </a:p>
+        </p:txBody>
+      </p:sp>
+      <p:sp>
+        <p:nvSpPr>
+          <p:cNvPr id="3" name="Content Placeholder 2"/>
+          <p:cNvSpPr>
+            <a:spLocks noGrp="1"/>
+          </p:cNvSpPr>
+          <p:nvPr>
+            <p:ph idx="1"/>
+          </p:nvPr>
+        </p:nvSpPr>
+        <p:spPr>
+          <a:xfrm>
+            <a:off x="3708400" y="786294"/>
+            <a:ext cx="7315200" cy="5309705"/>
+          </a:xfrm>
+        </p:spPr>
+        <p:txBody>
+          <a:bodyPr>
+            <a:noAutofit/>
+          </a:bodyPr>
+          <a:lstStyle/>
+          <a:p>
+            <a:pPr marL="0" indent="0" fontAlgn="base">
+              <a:buNone/>
+            </a:pPr>
+            <a:r>
+              <a:rPr lang="en-US" dirty="0">
+                <a:latin typeface="Calibri" panose="020F0502020204030204" pitchFamily="34" charset="0"/>
+                <a:cs typeface="Calibri" panose="020F0502020204030204" pitchFamily="34" charset="0"/>
+              </a:rPr>
+              <a:t>Docker is available on different operating systems like Linux, Ubuntu, Mac OSX and Windows. Using Amazon EC2 install, we can install </a:t>
+            </a:r>
+            <a:r>
+              <a:rPr lang="en-US" dirty="0" err="1">
+                <a:latin typeface="Calibri" panose="020F0502020204030204" pitchFamily="34" charset="0"/>
+                <a:cs typeface="Calibri" panose="020F0502020204030204" pitchFamily="34" charset="0"/>
+              </a:rPr>
+              <a:t>docker</a:t>
+            </a:r>
+            <a:r>
+              <a:rPr lang="en-US" dirty="0">
+                <a:latin typeface="Calibri" panose="020F0502020204030204" pitchFamily="34" charset="0"/>
+                <a:cs typeface="Calibri" panose="020F0502020204030204" pitchFamily="34" charset="0"/>
+              </a:rPr>
+              <a:t> and get started with it.</a:t>
+            </a:r>
+          </a:p>
+          <a:p>
+            <a:pPr marL="0" indent="0" fontAlgn="base">
+              <a:buNone/>
+            </a:pPr>
+            <a:r>
+              <a:rPr lang="en-US" dirty="0">
+                <a:latin typeface="Calibri" panose="020F0502020204030204" pitchFamily="34" charset="0"/>
+                <a:cs typeface="Calibri" panose="020F0502020204030204" pitchFamily="34" charset="0"/>
+              </a:rPr>
+              <a:t>Steps for using Docker in AWS:</a:t>
+            </a:r>
+          </a:p>
+          <a:p>
+            <a:pPr fontAlgn="base"/>
+            <a:r>
+              <a:rPr lang="en-US" dirty="0">
+                <a:latin typeface="Calibri" panose="020F0502020204030204" pitchFamily="34" charset="0"/>
+                <a:cs typeface="Calibri" panose="020F0502020204030204" pitchFamily="34" charset="0"/>
+              </a:rPr>
+              <a:t>Launch an EC2 instance with Amazon Linux AMI</a:t>
+            </a:r>
+          </a:p>
+          <a:p>
+            <a:pPr fontAlgn="base"/>
+            <a:r>
+              <a:rPr lang="en-US" dirty="0">
+                <a:latin typeface="Calibri" panose="020F0502020204030204" pitchFamily="34" charset="0"/>
+                <a:cs typeface="Calibri" panose="020F0502020204030204" pitchFamily="34" charset="0"/>
+              </a:rPr>
+              <a:t>Connect to your instance</a:t>
+            </a:r>
+          </a:p>
+          <a:p>
+            <a:pPr fontAlgn="base"/>
+            <a:r>
+              <a:rPr lang="en-US" dirty="0">
+                <a:latin typeface="Calibri" panose="020F0502020204030204" pitchFamily="34" charset="0"/>
+                <a:cs typeface="Calibri" panose="020F0502020204030204" pitchFamily="34" charset="0"/>
+              </a:rPr>
+              <a:t>Install </a:t>
+            </a:r>
+            <a:r>
+              <a:rPr lang="en-US" dirty="0" err="1">
+                <a:latin typeface="Calibri" panose="020F0502020204030204" pitchFamily="34" charset="0"/>
+                <a:cs typeface="Calibri" panose="020F0502020204030204" pitchFamily="34" charset="0"/>
+              </a:rPr>
+              <a:t>docker</a:t>
+            </a:r>
+            <a:endParaRPr lang="en-US" dirty="0">
+              <a:latin typeface="Calibri" panose="020F0502020204030204" pitchFamily="34" charset="0"/>
+              <a:cs typeface="Calibri" panose="020F0502020204030204" pitchFamily="34" charset="0"/>
+            </a:endParaRPr>
+          </a:p>
+          <a:p>
+            <a:pPr fontAlgn="base"/>
+            <a:r>
+              <a:rPr lang="en-US" dirty="0">
+                <a:latin typeface="Calibri" panose="020F0502020204030204" pitchFamily="34" charset="0"/>
+                <a:cs typeface="Calibri" panose="020F0502020204030204" pitchFamily="34" charset="0"/>
+              </a:rPr>
+              <a:t>Run </a:t>
+            </a:r>
+            <a:r>
+              <a:rPr lang="en-US" dirty="0" err="1">
+                <a:latin typeface="Calibri" panose="020F0502020204030204" pitchFamily="34" charset="0"/>
+                <a:cs typeface="Calibri" panose="020F0502020204030204" pitchFamily="34" charset="0"/>
+              </a:rPr>
+              <a:t>docker</a:t>
+            </a:r>
+            <a:r>
+              <a:rPr lang="en-US" dirty="0">
+                <a:latin typeface="Calibri" panose="020F0502020204030204" pitchFamily="34" charset="0"/>
+                <a:cs typeface="Calibri" panose="020F0502020204030204" pitchFamily="34" charset="0"/>
+              </a:rPr>
+              <a:t> commands in the AWS instance</a:t>
+            </a:r>
+          </a:p>
+          <a:p>
+            <a:pPr marL="0" indent="0" fontAlgn="base">
+              <a:buNone/>
+            </a:pPr>
+            <a:endParaRPr lang="en-US" dirty="0">
+              <a:latin typeface="Calibri" panose="020F0502020204030204" pitchFamily="34" charset="0"/>
+              <a:cs typeface="Calibri" panose="020F0502020204030204" pitchFamily="34" charset="0"/>
+            </a:endParaRPr>
+          </a:p>
+          <a:p>
+            <a:pPr marL="0" indent="0" fontAlgn="base">
+              <a:buNone/>
+            </a:pPr>
+            <a:endParaRPr lang="en-US" dirty="0">
+              <a:latin typeface="Calibri" panose="020F0502020204030204" pitchFamily="34" charset="0"/>
+              <a:cs typeface="Calibri" panose="020F0502020204030204" pitchFamily="34" charset="0"/>
+            </a:endParaRPr>
+          </a:p>
+        </p:txBody>
+      </p:sp>
+    </p:spTree>
+    <p:extLst>
+      <p:ext uri="{BB962C8B-B14F-4D97-AF65-F5344CB8AC3E}">
+        <p14:creationId xmlns:p14="http://schemas.microsoft.com/office/powerpoint/2010/main" val="3442457895"/>
+      </p:ext>
+    </p:extLst>
+  </p:cSld>
+  <p:clrMapOvr>
+    <a:masterClrMapping/>
+  </p:clrMapOvr>
+</p:sld>
+</file>
+
+<file path=ppt/slides/slide13.xml><?xml version="1.0" encoding="utf-8"?>
+<p:sld xmlns:a="http://schemas.openxmlformats.org/drawingml/2006/main" xmlns:r="http://schemas.openxmlformats.org/officeDocument/2006/relationships" xmlns:p="http://schemas.openxmlformats.org/presentationml/2006/main">
+  <p:cSld>
+    <p:spTree>
+      <p:nvGrpSpPr>
+        <p:cNvPr id="1" name=""/>
+        <p:cNvGrpSpPr/>
+        <p:nvPr/>
+      </p:nvGrpSpPr>
+      <p:grpSpPr>
+        <a:xfrm>
+          <a:off x="0" y="0"/>
+          <a:ext cx="0" cy="0"/>
+          <a:chOff x="0" y="0"/>
+          <a:chExt cx="0" cy="0"/>
+        </a:xfrm>
+      </p:grpSpPr>
+      <p:sp>
+        <p:nvSpPr>
+          <p:cNvPr id="2" name="Title 1"/>
+          <p:cNvSpPr>
+            <a:spLocks noGrp="1"/>
+          </p:cNvSpPr>
+          <p:nvPr>
+            <p:ph type="title"/>
+          </p:nvPr>
+        </p:nvSpPr>
+        <p:spPr>
+          <a:xfrm>
+            <a:off x="252919" y="1123838"/>
+            <a:ext cx="2947482" cy="1102528"/>
+          </a:xfrm>
+        </p:spPr>
+        <p:txBody>
+          <a:bodyPr/>
+          <a:lstStyle/>
+          <a:p>
+            <a:r>
+              <a:rPr lang="en-US" b="1" dirty="0"/>
+              <a:t>REFERENCES</a:t>
+            </a:r>
+          </a:p>
+        </p:txBody>
+      </p:sp>
+      <p:sp>
+        <p:nvSpPr>
+          <p:cNvPr id="3" name="Content Placeholder 2"/>
+          <p:cNvSpPr>
+            <a:spLocks noGrp="1"/>
+          </p:cNvSpPr>
+          <p:nvPr>
+            <p:ph idx="1"/>
+          </p:nvPr>
+        </p:nvSpPr>
+        <p:spPr/>
+        <p:txBody>
+          <a:bodyPr>
+            <a:normAutofit/>
+          </a:bodyPr>
+          <a:lstStyle/>
+          <a:p>
             <a:r>
               <a:rPr lang="en-US" dirty="0">
                 <a:hlinkClick r:id="rId2"/>
@@ -4161,13 +4377,7 @@
               <a:rPr lang="en-US">
                 <a:hlinkClick r:id="rId6"/>
               </a:rPr>
-              <a:t>https://</a:t>
-            </a:r>
-            <a:r>
-              <a:rPr lang="en-US">
-                <a:hlinkClick r:id="rId6"/>
-              </a:rPr>
-              <a:t>www.dataquest.io/blog/docker-data-science/</a:t>
+              <a:t>https://www.dataquest.io/blog/docker-data-science/</a:t>
             </a:r>
             <a:endParaRPr lang="en-US" dirty="0"/>
           </a:p>

--- a/Docker.pptx
+++ b/Docker.pptx
@@ -17,7 +17,8 @@
     <p:sldId id="272" r:id="rId11"/>
     <p:sldId id="270" r:id="rId12"/>
     <p:sldId id="271" r:id="rId13"/>
-    <p:sldId id="259" r:id="rId14"/>
+    <p:sldId id="273" r:id="rId14"/>
+    <p:sldId id="259" r:id="rId15"/>
   </p:sldIdLst>
   <p:sldSz cx="12192000" cy="6858000"/>
   <p:notesSz cx="6858000" cy="9144000"/>
@@ -349,7 +350,7 @@
             <a:fld id="{B61BEF0D-F0BB-DE4B-95CE-6DB70DBA9567}" type="datetimeFigureOut">
               <a:rPr lang="en-US" smtClean="0"/>
               <a:pPr/>
-              <a:t>1/30/2017</a:t>
+              <a:t>1/31/2017</a:t>
             </a:fld>
             <a:endParaRPr lang="en-US" dirty="0"/>
           </a:p>
@@ -521,7 +522,7 @@
             <a:fld id="{B61BEF0D-F0BB-DE4B-95CE-6DB70DBA9567}" type="datetimeFigureOut">
               <a:rPr lang="en-US" smtClean="0"/>
               <a:pPr/>
-              <a:t>1/30/2017</a:t>
+              <a:t>1/31/2017</a:t>
             </a:fld>
             <a:endParaRPr lang="en-US" dirty="0"/>
           </a:p>
@@ -703,7 +704,7 @@
             <a:fld id="{B61BEF0D-F0BB-DE4B-95CE-6DB70DBA9567}" type="datetimeFigureOut">
               <a:rPr lang="en-US" smtClean="0"/>
               <a:pPr/>
-              <a:t>1/30/2017</a:t>
+              <a:t>1/31/2017</a:t>
             </a:fld>
             <a:endParaRPr lang="en-US" dirty="0"/>
           </a:p>
@@ -875,7 +876,7 @@
             <a:fld id="{B61BEF0D-F0BB-DE4B-95CE-6DB70DBA9567}" type="datetimeFigureOut">
               <a:rPr lang="en-US" smtClean="0"/>
               <a:pPr/>
-              <a:t>1/30/2017</a:t>
+              <a:t>1/31/2017</a:t>
             </a:fld>
             <a:endParaRPr lang="en-US" dirty="0"/>
           </a:p>
@@ -1135,7 +1136,7 @@
             <a:fld id="{B61BEF0D-F0BB-DE4B-95CE-6DB70DBA9567}" type="datetimeFigureOut">
               <a:rPr lang="en-US" smtClean="0"/>
               <a:pPr/>
-              <a:t>1/30/2017</a:t>
+              <a:t>1/31/2017</a:t>
             </a:fld>
             <a:endParaRPr lang="en-US" dirty="0"/>
           </a:p>
@@ -1425,7 +1426,7 @@
             <a:fld id="{B61BEF0D-F0BB-DE4B-95CE-6DB70DBA9567}" type="datetimeFigureOut">
               <a:rPr lang="en-US" smtClean="0"/>
               <a:pPr/>
-              <a:t>1/30/2017</a:t>
+              <a:t>1/31/2017</a:t>
             </a:fld>
             <a:endParaRPr lang="en-US" dirty="0"/>
           </a:p>
@@ -1869,7 +1870,7 @@
             <a:fld id="{B61BEF0D-F0BB-DE4B-95CE-6DB70DBA9567}" type="datetimeFigureOut">
               <a:rPr lang="en-US" smtClean="0"/>
               <a:pPr/>
-              <a:t>1/30/2017</a:t>
+              <a:t>1/31/2017</a:t>
             </a:fld>
             <a:endParaRPr lang="en-US" dirty="0"/>
           </a:p>
@@ -1989,7 +1990,7 @@
             <a:fld id="{B61BEF0D-F0BB-DE4B-95CE-6DB70DBA9567}" type="datetimeFigureOut">
               <a:rPr lang="en-US" smtClean="0"/>
               <a:pPr/>
-              <a:t>1/30/2017</a:t>
+              <a:t>1/31/2017</a:t>
             </a:fld>
             <a:endParaRPr lang="en-US" dirty="0"/>
           </a:p>
@@ -2086,7 +2087,7 @@
             <a:fld id="{B61BEF0D-F0BB-DE4B-95CE-6DB70DBA9567}" type="datetimeFigureOut">
               <a:rPr lang="en-US" smtClean="0"/>
               <a:pPr/>
-              <a:t>1/30/2017</a:t>
+              <a:t>1/31/2017</a:t>
             </a:fld>
             <a:endParaRPr lang="en-US" dirty="0"/>
           </a:p>
@@ -2376,7 +2377,7 @@
             <a:fld id="{B61BEF0D-F0BB-DE4B-95CE-6DB70DBA9567}" type="datetimeFigureOut">
               <a:rPr lang="en-US" smtClean="0"/>
               <a:pPr/>
-              <a:t>1/30/2017</a:t>
+              <a:t>1/31/2017</a:t>
             </a:fld>
             <a:endParaRPr lang="en-US" dirty="0"/>
           </a:p>
@@ -2651,7 +2652,7 @@
             <a:fld id="{B61BEF0D-F0BB-DE4B-95CE-6DB70DBA9567}" type="datetimeFigureOut">
               <a:rPr lang="en-US" smtClean="0"/>
               <a:pPr/>
-              <a:t>1/30/2017</a:t>
+              <a:t>1/31/2017</a:t>
             </a:fld>
             <a:endParaRPr lang="en-US" dirty="0"/>
           </a:p>
@@ -2950,7 +2951,7 @@
             <a:fld id="{B61BEF0D-F0BB-DE4B-95CE-6DB70DBA9567}" type="datetimeFigureOut">
               <a:rPr lang="en-US" smtClean="0"/>
               <a:pPr/>
-              <a:t>1/30/2017</a:t>
+              <a:t>1/31/2017</a:t>
             </a:fld>
             <a:endParaRPr lang="en-US" dirty="0"/>
           </a:p>
@@ -3477,7 +3478,7 @@
         </p:nvSpPr>
         <p:spPr>
           <a:xfrm>
-            <a:off x="164066" y="3743710"/>
+            <a:off x="164066" y="3438910"/>
             <a:ext cx="8915399" cy="2087247"/>
           </a:xfrm>
         </p:spPr>
@@ -3488,7 +3489,7 @@
           <a:lstStyle/>
           <a:p>
             <a:r>
-              <a:rPr lang="en-US" sz="8000" dirty="0">
+              <a:rPr lang="en-US" sz="8000" b="1" dirty="0">
                 <a:latin typeface="Calibri" panose="020F0502020204030204" pitchFamily="34" charset="0"/>
                 <a:cs typeface="Calibri" panose="020F0502020204030204" pitchFamily="34" charset="0"/>
               </a:rPr>
@@ -3505,7 +3506,7 @@
                 <a:latin typeface="Calibri" panose="020F0502020204030204" pitchFamily="34" charset="0"/>
                 <a:cs typeface="Calibri" panose="020F0502020204030204" pitchFamily="34" charset="0"/>
               </a:rPr>
-              <a:t>Ms. Vasanti Mahajan</a:t>
+              <a:t>Vasanti Mahajan</a:t>
             </a:r>
           </a:p>
           <a:p>
@@ -3514,13 +3515,6 @@
               <a:buChar char="-"/>
             </a:pPr>
             <a:r>
-              <a:rPr lang="en-US" sz="8000" dirty="0">
-                <a:latin typeface="Calibri" panose="020F0502020204030204" pitchFamily="34" charset="0"/>
-                <a:cs typeface="Calibri" panose="020F0502020204030204" pitchFamily="34" charset="0"/>
-              </a:rPr>
-              <a:t>Ms. </a:t>
-            </a:r>
-            <a:r>
               <a:rPr lang="en-US" sz="8000" dirty="0" err="1">
                 <a:latin typeface="Calibri" panose="020F0502020204030204" pitchFamily="34" charset="0"/>
                 <a:cs typeface="Calibri" panose="020F0502020204030204" pitchFamily="34" charset="0"/>
@@ -3552,36 +3546,64 @@
               <a:buChar char="-"/>
             </a:pPr>
             <a:r>
+              <a:rPr lang="en-US" sz="8000" dirty="0" err="1">
+                <a:latin typeface="Calibri" panose="020F0502020204030204" pitchFamily="34" charset="0"/>
+                <a:cs typeface="Calibri" panose="020F0502020204030204" pitchFamily="34" charset="0"/>
+              </a:rPr>
+              <a:t>Pranjal</a:t>
+            </a:r>
+            <a:r>
               <a:rPr lang="en-US" sz="8000" dirty="0">
                 <a:latin typeface="Calibri" panose="020F0502020204030204" pitchFamily="34" charset="0"/>
                 <a:cs typeface="Calibri" panose="020F0502020204030204" pitchFamily="34" charset="0"/>
               </a:rPr>
-              <a:t>Ms. </a:t>
-            </a:r>
-            <a:r>
-              <a:rPr lang="en-US" sz="8000" dirty="0" err="1">
-                <a:latin typeface="Calibri" panose="020F0502020204030204" pitchFamily="34" charset="0"/>
-                <a:cs typeface="Calibri" panose="020F0502020204030204" pitchFamily="34" charset="0"/>
-              </a:rPr>
-              <a:t>Pranjal</a:t>
-            </a:r>
-            <a:r>
-              <a:rPr lang="en-US" sz="8000" dirty="0">
-                <a:latin typeface="Calibri" panose="020F0502020204030204" pitchFamily="34" charset="0"/>
-                <a:cs typeface="Calibri" panose="020F0502020204030204" pitchFamily="34" charset="0"/>
-              </a:rPr>
               <a:t> Jain</a:t>
             </a:r>
           </a:p>
           <a:p>
-            <a:endParaRPr lang="en-US" sz="8000" dirty="0">
+            <a:endParaRPr lang="en-US" sz="6400" dirty="0">
               <a:latin typeface="Calibri" panose="020F0502020204030204" pitchFamily="34" charset="0"/>
               <a:cs typeface="Calibri" panose="020F0502020204030204" pitchFamily="34" charset="0"/>
             </a:endParaRPr>
           </a:p>
           <a:p>
             <a:r>
-              <a:rPr lang="en-US" sz="8000" b="1" dirty="0">
+              <a:rPr lang="en-US" sz="6400" b="1" dirty="0" err="1">
+                <a:latin typeface="Calibri" panose="020F0502020204030204" pitchFamily="34" charset="0"/>
+                <a:cs typeface="Calibri" panose="020F0502020204030204" pitchFamily="34" charset="0"/>
+              </a:rPr>
+              <a:t>Github</a:t>
+            </a:r>
+            <a:r>
+              <a:rPr lang="en-US" sz="6400" b="1" dirty="0">
+                <a:latin typeface="Calibri" panose="020F0502020204030204" pitchFamily="34" charset="0"/>
+                <a:cs typeface="Calibri" panose="020F0502020204030204" pitchFamily="34" charset="0"/>
+              </a:rPr>
+              <a:t> Link</a:t>
+            </a:r>
+            <a:r>
+              <a:rPr lang="en-US" sz="6400" dirty="0">
+                <a:latin typeface="Calibri" panose="020F0502020204030204" pitchFamily="34" charset="0"/>
+                <a:cs typeface="Calibri" panose="020F0502020204030204" pitchFamily="34" charset="0"/>
+              </a:rPr>
+              <a:t>: </a:t>
+            </a:r>
+            <a:r>
+              <a:rPr lang="en-US" sz="6400" dirty="0">
+                <a:latin typeface="Calibri" panose="020F0502020204030204" pitchFamily="34" charset="0"/>
+                <a:cs typeface="Calibri" panose="020F0502020204030204" pitchFamily="34" charset="0"/>
+                <a:hlinkClick r:id="rId2"/>
+              </a:rPr>
+              <a:t>https://github.com/jainpranj/docker-datascience</a:t>
+            </a:r>
+            <a:endParaRPr lang="en-US" sz="6400" dirty="0">
+              <a:latin typeface="Calibri" panose="020F0502020204030204" pitchFamily="34" charset="0"/>
+              <a:cs typeface="Calibri" panose="020F0502020204030204" pitchFamily="34" charset="0"/>
+            </a:endParaRPr>
+          </a:p>
+          <a:p>
+            <a:r>
+              <a:rPr lang="en-US" sz="6400" b="1" dirty="0">
                 <a:latin typeface="Calibri" panose="020F0502020204030204" pitchFamily="34" charset="0"/>
                 <a:cs typeface="Calibri" panose="020F0502020204030204" pitchFamily="34" charset="0"/>
               </a:rPr>
@@ -3602,7 +3624,7 @@
           <p:nvPr/>
         </p:nvPicPr>
         <p:blipFill>
-          <a:blip r:embed="rId2"/>
+          <a:blip r:embed="rId3"/>
           <a:stretch>
             <a:fillRect/>
           </a:stretch>
@@ -4277,6 +4299,378 @@
 </file>
 
 <file path=ppt/slides/slide13.xml><?xml version="1.0" encoding="utf-8"?>
+<p:sld xmlns:a="http://schemas.openxmlformats.org/drawingml/2006/main" xmlns:r="http://schemas.openxmlformats.org/officeDocument/2006/relationships" xmlns:p="http://schemas.openxmlformats.org/presentationml/2006/main">
+  <p:cSld>
+    <p:spTree>
+      <p:nvGrpSpPr>
+        <p:cNvPr id="1" name=""/>
+        <p:cNvGrpSpPr/>
+        <p:nvPr/>
+      </p:nvGrpSpPr>
+      <p:grpSpPr>
+        <a:xfrm>
+          <a:off x="0" y="0"/>
+          <a:ext cx="0" cy="0"/>
+          <a:chOff x="0" y="0"/>
+          <a:chExt cx="0" cy="0"/>
+        </a:xfrm>
+      </p:grpSpPr>
+      <p:sp>
+        <p:nvSpPr>
+          <p:cNvPr id="2" name="Title 1"/>
+          <p:cNvSpPr>
+            <a:spLocks noGrp="1"/>
+          </p:cNvSpPr>
+          <p:nvPr>
+            <p:ph type="title"/>
+          </p:nvPr>
+        </p:nvSpPr>
+        <p:spPr>
+          <a:xfrm>
+            <a:off x="334617" y="1001797"/>
+            <a:ext cx="2586383" cy="1867298"/>
+          </a:xfrm>
+        </p:spPr>
+        <p:txBody>
+          <a:bodyPr>
+            <a:normAutofit/>
+          </a:bodyPr>
+          <a:lstStyle/>
+          <a:p>
+            <a:pPr fontAlgn="base"/>
+            <a:r>
+              <a:rPr lang="en-US" sz="4000" b="1" dirty="0">
+                <a:latin typeface="Calibri" panose="020F0502020204030204" pitchFamily="34" charset="0"/>
+                <a:cs typeface="Calibri" panose="020F0502020204030204" pitchFamily="34" charset="0"/>
+              </a:rPr>
+              <a:t>CONTACT DETAILS</a:t>
+            </a:r>
+          </a:p>
+        </p:txBody>
+      </p:sp>
+      <p:sp>
+        <p:nvSpPr>
+          <p:cNvPr id="3" name="Content Placeholder 2"/>
+          <p:cNvSpPr>
+            <a:spLocks noGrp="1"/>
+          </p:cNvSpPr>
+          <p:nvPr>
+            <p:ph idx="1"/>
+          </p:nvPr>
+        </p:nvSpPr>
+        <p:spPr>
+          <a:xfrm>
+            <a:off x="3708400" y="1183859"/>
+            <a:ext cx="7315200" cy="5309705"/>
+          </a:xfrm>
+        </p:spPr>
+        <p:txBody>
+          <a:bodyPr>
+            <a:noAutofit/>
+          </a:bodyPr>
+          <a:lstStyle/>
+          <a:p>
+            <a:pPr marL="0" indent="0" fontAlgn="base">
+              <a:buNone/>
+            </a:pPr>
+            <a:r>
+              <a:rPr lang="en-US" sz="1500" b="1" dirty="0">
+                <a:latin typeface="Calibri" panose="020F0502020204030204" pitchFamily="34" charset="0"/>
+                <a:cs typeface="Calibri" panose="020F0502020204030204" pitchFamily="34" charset="0"/>
+              </a:rPr>
+              <a:t>CONTACT US:</a:t>
+            </a:r>
+          </a:p>
+          <a:p>
+            <a:pPr marL="0" indent="0" fontAlgn="base">
+              <a:lnSpc>
+                <a:spcPct val="100000"/>
+              </a:lnSpc>
+              <a:buNone/>
+            </a:pPr>
+            <a:r>
+              <a:rPr lang="en-US" sz="1500" b="1" dirty="0">
+                <a:latin typeface="Calibri" panose="020F0502020204030204" pitchFamily="34" charset="0"/>
+                <a:cs typeface="Calibri" panose="020F0502020204030204" pitchFamily="34" charset="0"/>
+              </a:rPr>
+              <a:t>Vasanti Mahajan</a:t>
+            </a:r>
+          </a:p>
+          <a:p>
+            <a:pPr marL="0" indent="0" fontAlgn="base">
+              <a:lnSpc>
+                <a:spcPct val="100000"/>
+              </a:lnSpc>
+              <a:buNone/>
+            </a:pPr>
+            <a:r>
+              <a:rPr lang="en-US" sz="1500" dirty="0">
+                <a:latin typeface="Calibri" panose="020F0502020204030204" pitchFamily="34" charset="0"/>
+                <a:cs typeface="Calibri" panose="020F0502020204030204" pitchFamily="34" charset="0"/>
+              </a:rPr>
+              <a:t>Email Id: </a:t>
+            </a:r>
+            <a:r>
+              <a:rPr lang="en-US" sz="1500" dirty="0">
+                <a:latin typeface="Calibri" panose="020F0502020204030204" pitchFamily="34" charset="0"/>
+                <a:cs typeface="Calibri" panose="020F0502020204030204" pitchFamily="34" charset="0"/>
+                <a:hlinkClick r:id="rId2"/>
+              </a:rPr>
+              <a:t>mahajan.v@husky.neu.edu</a:t>
+            </a:r>
+            <a:endParaRPr lang="en-US" sz="1500" dirty="0">
+              <a:latin typeface="Calibri" panose="020F0502020204030204" pitchFamily="34" charset="0"/>
+              <a:cs typeface="Calibri" panose="020F0502020204030204" pitchFamily="34" charset="0"/>
+            </a:endParaRPr>
+          </a:p>
+          <a:p>
+            <a:pPr marL="0" indent="0" fontAlgn="base">
+              <a:lnSpc>
+                <a:spcPct val="100000"/>
+              </a:lnSpc>
+              <a:buNone/>
+            </a:pPr>
+            <a:r>
+              <a:rPr lang="en-US" sz="1500" dirty="0">
+                <a:latin typeface="Calibri" panose="020F0502020204030204" pitchFamily="34" charset="0"/>
+                <a:cs typeface="Calibri" panose="020F0502020204030204" pitchFamily="34" charset="0"/>
+              </a:rPr>
+              <a:t>Ph.no: (631) 944-1700</a:t>
+            </a:r>
+          </a:p>
+          <a:p>
+            <a:pPr marL="0" indent="0" fontAlgn="base">
+              <a:lnSpc>
+                <a:spcPct val="100000"/>
+              </a:lnSpc>
+              <a:buNone/>
+            </a:pPr>
+            <a:r>
+              <a:rPr lang="en-US" sz="1500" dirty="0">
+                <a:latin typeface="Calibri" panose="020F0502020204030204" pitchFamily="34" charset="0"/>
+                <a:cs typeface="Calibri" panose="020F0502020204030204" pitchFamily="34" charset="0"/>
+              </a:rPr>
+              <a:t>LinkedIn: </a:t>
+            </a:r>
+            <a:r>
+              <a:rPr lang="en-US" sz="1500" dirty="0">
+                <a:hlinkClick r:id="rId3"/>
+              </a:rPr>
+              <a:t>https://www.linkedin.com/in/vasantimahajan</a:t>
+            </a:r>
+            <a:endParaRPr lang="en-US" sz="1500" dirty="0"/>
+          </a:p>
+          <a:p>
+            <a:pPr marL="0" indent="0" fontAlgn="base">
+              <a:buNone/>
+            </a:pPr>
+            <a:endParaRPr lang="en-US" sz="1500" dirty="0">
+              <a:latin typeface="Calibri" panose="020F0502020204030204" pitchFamily="34" charset="0"/>
+              <a:cs typeface="Calibri" panose="020F0502020204030204" pitchFamily="34" charset="0"/>
+            </a:endParaRPr>
+          </a:p>
+          <a:p>
+            <a:pPr marL="0" indent="0" fontAlgn="base">
+              <a:buNone/>
+            </a:pPr>
+            <a:r>
+              <a:rPr lang="en-US" sz="1500" b="1" dirty="0" err="1">
+                <a:latin typeface="Calibri" panose="020F0502020204030204" pitchFamily="34" charset="0"/>
+                <a:cs typeface="Calibri" panose="020F0502020204030204" pitchFamily="34" charset="0"/>
+              </a:rPr>
+              <a:t>Nehal</a:t>
+            </a:r>
+            <a:r>
+              <a:rPr lang="en-US" sz="1500" b="1" dirty="0">
+                <a:latin typeface="Calibri" panose="020F0502020204030204" pitchFamily="34" charset="0"/>
+                <a:cs typeface="Calibri" panose="020F0502020204030204" pitchFamily="34" charset="0"/>
+              </a:rPr>
+              <a:t> </a:t>
+            </a:r>
+            <a:r>
+              <a:rPr lang="en-US" sz="1500" b="1" dirty="0" err="1">
+                <a:latin typeface="Calibri" panose="020F0502020204030204" pitchFamily="34" charset="0"/>
+                <a:cs typeface="Calibri" panose="020F0502020204030204" pitchFamily="34" charset="0"/>
+              </a:rPr>
+              <a:t>Bhanushali</a:t>
+            </a:r>
+            <a:endParaRPr lang="en-US" sz="1500" b="1" dirty="0">
+              <a:latin typeface="Calibri" panose="020F0502020204030204" pitchFamily="34" charset="0"/>
+              <a:cs typeface="Calibri" panose="020F0502020204030204" pitchFamily="34" charset="0"/>
+            </a:endParaRPr>
+          </a:p>
+          <a:p>
+            <a:pPr marL="0" indent="0" fontAlgn="base">
+              <a:buNone/>
+            </a:pPr>
+            <a:r>
+              <a:rPr lang="en-US" sz="1500" dirty="0">
+                <a:latin typeface="Calibri" panose="020F0502020204030204" pitchFamily="34" charset="0"/>
+                <a:cs typeface="Calibri" panose="020F0502020204030204" pitchFamily="34" charset="0"/>
+              </a:rPr>
+              <a:t>Email Id: </a:t>
+            </a:r>
+            <a:r>
+              <a:rPr lang="en-US" sz="1500" dirty="0">
+                <a:latin typeface="Calibri" panose="020F0502020204030204" pitchFamily="34" charset="0"/>
+                <a:cs typeface="Calibri" panose="020F0502020204030204" pitchFamily="34" charset="0"/>
+                <a:hlinkClick r:id="rId4"/>
+              </a:rPr>
+              <a:t>bhanushali.n@husky.neu.edu</a:t>
+            </a:r>
+            <a:endParaRPr lang="en-US" sz="1500" dirty="0">
+              <a:latin typeface="Calibri" panose="020F0502020204030204" pitchFamily="34" charset="0"/>
+              <a:cs typeface="Calibri" panose="020F0502020204030204" pitchFamily="34" charset="0"/>
+            </a:endParaRPr>
+          </a:p>
+          <a:p>
+            <a:pPr marL="0" indent="0" fontAlgn="base">
+              <a:buNone/>
+            </a:pPr>
+            <a:r>
+              <a:rPr lang="en-US" sz="1500" dirty="0">
+                <a:latin typeface="Calibri" panose="020F0502020204030204" pitchFamily="34" charset="0"/>
+                <a:cs typeface="Calibri" panose="020F0502020204030204" pitchFamily="34" charset="0"/>
+              </a:rPr>
+              <a:t>Ph.no: (781) 492-8810</a:t>
+            </a:r>
+          </a:p>
+          <a:p>
+            <a:pPr marL="0" indent="0" fontAlgn="base">
+              <a:buNone/>
+            </a:pPr>
+            <a:r>
+              <a:rPr lang="en-US" sz="1500" dirty="0">
+                <a:latin typeface="Calibri" panose="020F0502020204030204" pitchFamily="34" charset="0"/>
+                <a:cs typeface="Calibri" panose="020F0502020204030204" pitchFamily="34" charset="0"/>
+              </a:rPr>
+              <a:t>LinkedIn: </a:t>
+            </a:r>
+            <a:r>
+              <a:rPr lang="en-US" sz="1500" dirty="0">
+                <a:hlinkClick r:id="rId5"/>
+              </a:rPr>
+              <a:t>https://www.linkedin.com/in/nehalbhanushali</a:t>
+            </a:r>
+            <a:endParaRPr lang="en-US" sz="1500" dirty="0"/>
+          </a:p>
+          <a:p>
+            <a:pPr marL="0" indent="0" fontAlgn="base">
+              <a:buNone/>
+            </a:pPr>
+            <a:endParaRPr lang="en-US" sz="1500" dirty="0">
+              <a:latin typeface="Calibri" panose="020F0502020204030204" pitchFamily="34" charset="0"/>
+              <a:cs typeface="Calibri" panose="020F0502020204030204" pitchFamily="34" charset="0"/>
+            </a:endParaRPr>
+          </a:p>
+          <a:p>
+            <a:pPr marL="0" indent="0" fontAlgn="base">
+              <a:buNone/>
+            </a:pPr>
+            <a:r>
+              <a:rPr lang="en-US" sz="1500" b="1" dirty="0" err="1">
+                <a:latin typeface="Calibri" panose="020F0502020204030204" pitchFamily="34" charset="0"/>
+                <a:cs typeface="Calibri" panose="020F0502020204030204" pitchFamily="34" charset="0"/>
+              </a:rPr>
+              <a:t>Pranjal</a:t>
+            </a:r>
+            <a:r>
+              <a:rPr lang="en-US" sz="1500" b="1" dirty="0">
+                <a:latin typeface="Calibri" panose="020F0502020204030204" pitchFamily="34" charset="0"/>
+                <a:cs typeface="Calibri" panose="020F0502020204030204" pitchFamily="34" charset="0"/>
+              </a:rPr>
+              <a:t> Jain</a:t>
+            </a:r>
+          </a:p>
+          <a:p>
+            <a:pPr marL="0" indent="0" fontAlgn="base">
+              <a:buNone/>
+            </a:pPr>
+            <a:r>
+              <a:rPr lang="en-US" sz="1500" dirty="0">
+                <a:latin typeface="Calibri" panose="020F0502020204030204" pitchFamily="34" charset="0"/>
+                <a:cs typeface="Calibri" panose="020F0502020204030204" pitchFamily="34" charset="0"/>
+              </a:rPr>
+              <a:t>Email Id: </a:t>
+            </a:r>
+            <a:r>
+              <a:rPr lang="en-US" sz="1500" dirty="0">
+                <a:latin typeface="Calibri" panose="020F0502020204030204" pitchFamily="34" charset="0"/>
+                <a:cs typeface="Calibri" panose="020F0502020204030204" pitchFamily="34" charset="0"/>
+                <a:hlinkClick r:id="rId6"/>
+              </a:rPr>
+              <a:t>jain.pran@husky.neu.edu</a:t>
+            </a:r>
+            <a:endParaRPr lang="en-US" sz="1500" dirty="0">
+              <a:latin typeface="Calibri" panose="020F0502020204030204" pitchFamily="34" charset="0"/>
+              <a:cs typeface="Calibri" panose="020F0502020204030204" pitchFamily="34" charset="0"/>
+            </a:endParaRPr>
+          </a:p>
+          <a:p>
+            <a:pPr marL="0" indent="0" fontAlgn="base">
+              <a:buNone/>
+            </a:pPr>
+            <a:r>
+              <a:rPr lang="en-US" sz="1500" dirty="0">
+                <a:latin typeface="Calibri" panose="020F0502020204030204" pitchFamily="34" charset="0"/>
+                <a:cs typeface="Calibri" panose="020F0502020204030204" pitchFamily="34" charset="0"/>
+              </a:rPr>
+              <a:t>Ph.no: (503) 724-3015</a:t>
+            </a:r>
+          </a:p>
+          <a:p>
+            <a:pPr marL="0" indent="0" fontAlgn="base">
+              <a:buNone/>
+            </a:pPr>
+            <a:r>
+              <a:rPr lang="en-US" sz="1500" dirty="0">
+                <a:latin typeface="Calibri" panose="020F0502020204030204" pitchFamily="34" charset="0"/>
+                <a:cs typeface="Calibri" panose="020F0502020204030204" pitchFamily="34" charset="0"/>
+              </a:rPr>
+              <a:t>LinkedIn: </a:t>
+            </a:r>
+            <a:r>
+              <a:rPr lang="en-US" sz="1500" dirty="0">
+                <a:hlinkClick r:id="rId7"/>
+              </a:rPr>
+              <a:t>https://www.linkedin.com/in/jainpranj</a:t>
+            </a:r>
+            <a:endParaRPr lang="en-US" sz="1500" dirty="0"/>
+          </a:p>
+          <a:p>
+            <a:pPr marL="0" indent="0" fontAlgn="base">
+              <a:buNone/>
+            </a:pPr>
+            <a:endParaRPr lang="en-US" dirty="0">
+              <a:latin typeface="Calibri" panose="020F0502020204030204" pitchFamily="34" charset="0"/>
+              <a:cs typeface="Calibri" panose="020F0502020204030204" pitchFamily="34" charset="0"/>
+            </a:endParaRPr>
+          </a:p>
+          <a:p>
+            <a:pPr marL="0" indent="0" fontAlgn="base">
+              <a:buNone/>
+            </a:pPr>
+            <a:endParaRPr lang="en-US" dirty="0">
+              <a:latin typeface="Calibri" panose="020F0502020204030204" pitchFamily="34" charset="0"/>
+              <a:cs typeface="Calibri" panose="020F0502020204030204" pitchFamily="34" charset="0"/>
+            </a:endParaRPr>
+          </a:p>
+        </p:txBody>
+      </p:sp>
+    </p:spTree>
+    <p:extLst>
+      <p:ext uri="{BB962C8B-B14F-4D97-AF65-F5344CB8AC3E}">
+        <p14:creationId xmlns:p14="http://schemas.microsoft.com/office/powerpoint/2010/main" val="3232190343"/>
+      </p:ext>
+    </p:extLst>
+  </p:cSld>
+  <p:clrMapOvr>
+    <a:masterClrMapping/>
+  </p:clrMapOvr>
+</p:sld>
+</file>
+
+<file path=ppt/slides/slide14.xml><?xml version="1.0" encoding="utf-8"?>
 <p:sld xmlns:a="http://schemas.openxmlformats.org/drawingml/2006/main" xmlns:r="http://schemas.openxmlformats.org/officeDocument/2006/relationships" xmlns:p="http://schemas.openxmlformats.org/presentationml/2006/main">
   <p:cSld>
     <p:spTree>
